--- a/assets/Screens/CB_titlebar.pptx
+++ b/assets/Screens/CB_titlebar.pptx
@@ -104,6 +104,11 @@
       </a:defRPr>
     </a:lvl9pPr>
   </p:defaultTextStyle>
+  <p:extLst>
+    <p:ext uri="{EFAFB233-063F-42B5-8137-9DF3F51BA10A}">
+      <p15:sldGuideLst xmlns:p15="http://schemas.microsoft.com/office/powerpoint/2012/main"/>
+    </p:ext>
+  </p:extLst>
 </p:presentation>
 </file>
 
@@ -2411,9 +2416,12 @@
 <p:sldMaster xmlns:a="http://schemas.openxmlformats.org/drawingml/2006/main" xmlns:r="http://schemas.openxmlformats.org/officeDocument/2006/relationships" xmlns:p="http://schemas.openxmlformats.org/presentationml/2006/main">
   <p:cSld>
     <p:bg>
-      <p:bgRef idx="1001">
-        <a:schemeClr val="bg1"/>
-      </p:bgRef>
+      <p:bgPr>
+        <a:solidFill>
+          <a:schemeClr val="bg1"/>
+        </a:solidFill>
+        <a:effectLst/>
+      </p:bgPr>
     </p:bg>
     <p:spTree>
       <p:nvGrpSpPr>
@@ -2966,81 +2974,250 @@
       </p:grpSpPr>
       <p:grpSp>
         <p:nvGrpSpPr>
-          <p:cNvPr id="13" name="Group 12"/>
+          <p:cNvPr id="3" name="Group 2"/>
           <p:cNvGrpSpPr/>
           <p:nvPr/>
         </p:nvGrpSpPr>
         <p:grpSpPr>
           <a:xfrm>
-            <a:off x="1262267" y="0"/>
-            <a:ext cx="7117414" cy="6689035"/>
-            <a:chOff x="1262267" y="0"/>
-            <a:chExt cx="7117414" cy="6689035"/>
+            <a:off x="1252330" y="0"/>
+            <a:ext cx="7225748" cy="6858000"/>
+            <a:chOff x="1252330" y="0"/>
+            <a:chExt cx="7225748" cy="6858000"/>
           </a:xfrm>
         </p:grpSpPr>
+        <p:sp>
+          <p:nvSpPr>
+            <p:cNvPr id="2" name="Rectangle 1"/>
+            <p:cNvSpPr/>
+            <p:nvPr/>
+          </p:nvSpPr>
+          <p:spPr>
+            <a:xfrm>
+              <a:off x="1252330" y="0"/>
+              <a:ext cx="7225748" cy="6858000"/>
+            </a:xfrm>
+            <a:prstGeom prst="rect">
+              <a:avLst/>
+            </a:prstGeom>
+            <a:solidFill>
+              <a:schemeClr val="bg1"/>
+            </a:solidFill>
+          </p:spPr>
+          <p:style>
+            <a:lnRef idx="2">
+              <a:schemeClr val="accent1">
+                <a:shade val="50000"/>
+              </a:schemeClr>
+            </a:lnRef>
+            <a:fillRef idx="1">
+              <a:schemeClr val="accent1"/>
+            </a:fillRef>
+            <a:effectRef idx="0">
+              <a:schemeClr val="accent1"/>
+            </a:effectRef>
+            <a:fontRef idx="minor">
+              <a:schemeClr val="lt1"/>
+            </a:fontRef>
+          </p:style>
+          <p:txBody>
+            <a:bodyPr rtlCol="0" anchor="ctr"/>
+            <a:lstStyle/>
+            <a:p>
+              <a:pPr algn="ctr"/>
+              <a:endParaRPr lang="en-US"/>
+            </a:p>
+          </p:txBody>
+        </p:sp>
         <p:grpSp>
           <p:nvGrpSpPr>
-            <p:cNvPr id="11" name="Group 10"/>
+            <p:cNvPr id="13" name="Group 12"/>
             <p:cNvGrpSpPr/>
             <p:nvPr/>
           </p:nvGrpSpPr>
           <p:grpSpPr>
             <a:xfrm>
-              <a:off x="1262267" y="0"/>
-              <a:ext cx="7117414" cy="4872058"/>
-              <a:chOff x="1401415" y="216320"/>
-              <a:chExt cx="7117414" cy="4872058"/>
+              <a:off x="1302023" y="89452"/>
+              <a:ext cx="7117414" cy="6689035"/>
+              <a:chOff x="1262267" y="0"/>
+              <a:chExt cx="7117414" cy="6689035"/>
             </a:xfrm>
+            <a:solidFill>
+              <a:schemeClr val="bg1"/>
+            </a:solidFill>
           </p:grpSpPr>
-          <p:pic>
-            <p:nvPicPr>
-              <p:cNvPr id="4" name="Picture 3"/>
-              <p:cNvPicPr>
-                <a:picLocks noChangeAspect="1"/>
-              </p:cNvPicPr>
+          <p:grpSp>
+            <p:nvGrpSpPr>
+              <p:cNvPr id="11" name="Group 10"/>
+              <p:cNvGrpSpPr/>
               <p:nvPr/>
-            </p:nvPicPr>
-            <p:blipFill>
-              <a:blip r:embed="rId2">
-                <a:extLst>
-                  <a:ext uri="{28A0092B-C50C-407E-A947-70E740481C1C}">
-                    <a14:useLocalDpi xmlns:a14="http://schemas.microsoft.com/office/drawing/2010/main" val="0"/>
-                  </a:ext>
-                </a:extLst>
-              </a:blip>
-              <a:stretch>
-                <a:fillRect/>
-              </a:stretch>
-            </p:blipFill>
-            <p:spPr>
+            </p:nvGrpSpPr>
+            <p:grpSpPr>
               <a:xfrm>
-                <a:off x="1414067" y="1478854"/>
-                <a:ext cx="7104762" cy="3609524"/>
+                <a:off x="1262267" y="0"/>
+                <a:ext cx="7117414" cy="4872058"/>
+                <a:chOff x="1401415" y="216320"/>
+                <a:chExt cx="7117414" cy="4872058"/>
               </a:xfrm>
-              <a:prstGeom prst="rect">
-                <a:avLst/>
-              </a:prstGeom>
-            </p:spPr>
-          </p:pic>
+              <a:grpFill/>
+            </p:grpSpPr>
+            <p:pic>
+              <p:nvPicPr>
+                <p:cNvPr id="4" name="Picture 3"/>
+                <p:cNvPicPr>
+                  <a:picLocks noChangeAspect="1"/>
+                </p:cNvPicPr>
+                <p:nvPr/>
+              </p:nvPicPr>
+              <p:blipFill>
+                <a:blip r:embed="rId2">
+                  <a:extLst>
+                    <a:ext uri="{28A0092B-C50C-407E-A947-70E740481C1C}">
+                      <a14:useLocalDpi xmlns:a14="http://schemas.microsoft.com/office/drawing/2010/main" val="0"/>
+                    </a:ext>
+                  </a:extLst>
+                </a:blip>
+                <a:stretch>
+                  <a:fillRect/>
+                </a:stretch>
+              </p:blipFill>
+              <p:spPr>
+                <a:xfrm>
+                  <a:off x="1414067" y="1478854"/>
+                  <a:ext cx="7104762" cy="3609524"/>
+                </a:xfrm>
+                <a:prstGeom prst="rect">
+                  <a:avLst/>
+                </a:prstGeom>
+                <a:grpFill/>
+              </p:spPr>
+            </p:pic>
+            <p:sp>
+              <p:nvSpPr>
+                <p:cNvPr id="6" name="Line Callout 1 (No Border) 5"/>
+                <p:cNvSpPr/>
+                <p:nvPr/>
+              </p:nvSpPr>
+              <p:spPr>
+                <a:xfrm flipH="1">
+                  <a:off x="1401415" y="216320"/>
+                  <a:ext cx="4909931" cy="699247"/>
+                </a:xfrm>
+                <a:prstGeom prst="callout1">
+                  <a:avLst>
+                    <a:gd name="adj1" fmla="val 72763"/>
+                    <a:gd name="adj2" fmla="val 58892"/>
+                    <a:gd name="adj3" fmla="val 180728"/>
+                    <a:gd name="adj4" fmla="val 57758"/>
+                  </a:avLst>
+                </a:prstGeom>
+                <a:grpFill/>
+                <a:ln w="19050"/>
+              </p:spPr>
+              <p:style>
+                <a:lnRef idx="2">
+                  <a:schemeClr val="dk1"/>
+                </a:lnRef>
+                <a:fillRef idx="1">
+                  <a:schemeClr val="lt1"/>
+                </a:fillRef>
+                <a:effectRef idx="0">
+                  <a:schemeClr val="dk1"/>
+                </a:effectRef>
+                <a:fontRef idx="minor">
+                  <a:schemeClr val="dk1"/>
+                </a:fontRef>
+              </p:style>
+              <p:txBody>
+                <a:bodyPr rtlCol="0" anchor="ctr"/>
+                <a:lstStyle/>
+                <a:p>
+                  <a:pPr algn="ctr"/>
+                  <a:r>
+                    <a:rPr lang="en-US" dirty="0" smtClean="0"/>
+                    <a:t>Target application.exe + Active command suffix</a:t>
+                  </a:r>
+                  <a:endParaRPr lang="en-US" dirty="0"/>
+                </a:p>
+              </p:txBody>
+            </p:sp>
+            <p:sp>
+              <p:nvSpPr>
+                <p:cNvPr id="7" name="Line Callout 1 (No Border) 6"/>
+                <p:cNvSpPr/>
+                <p:nvPr/>
+              </p:nvSpPr>
+              <p:spPr>
+                <a:xfrm>
+                  <a:off x="5099165" y="743679"/>
+                  <a:ext cx="3080740" cy="699247"/>
+                </a:xfrm>
+                <a:prstGeom prst="callout1">
+                  <a:avLst>
+                    <a:gd name="adj1" fmla="val 52862"/>
+                    <a:gd name="adj2" fmla="val 15919"/>
+                    <a:gd name="adj3" fmla="val 113921"/>
+                    <a:gd name="adj4" fmla="val -17891"/>
+                  </a:avLst>
+                </a:prstGeom>
+                <a:grpFill/>
+                <a:ln w="19050"/>
+              </p:spPr>
+              <p:style>
+                <a:lnRef idx="2">
+                  <a:schemeClr val="dk1"/>
+                </a:lnRef>
+                <a:fillRef idx="1">
+                  <a:schemeClr val="lt1"/>
+                </a:fillRef>
+                <a:effectRef idx="0">
+                  <a:schemeClr val="dk1"/>
+                </a:effectRef>
+                <a:fontRef idx="minor">
+                  <a:schemeClr val="dk1"/>
+                </a:fontRef>
+              </p:style>
+              <p:txBody>
+                <a:bodyPr rtlCol="0" anchor="ctr"/>
+                <a:lstStyle/>
+                <a:p>
+                  <a:pPr algn="ctr"/>
+                  <a:r>
+                    <a:rPr lang="en-US" dirty="0" smtClean="0"/>
+                    <a:t>Currently loaded </a:t>
+                  </a:r>
+                  <a:br>
+                    <a:rPr lang="en-US" dirty="0" smtClean="0"/>
+                  </a:br>
+                  <a:r>
+                    <a:rPr lang="en-US" dirty="0" smtClean="0"/>
+                    <a:t>mem_cache .txt file</a:t>
+                  </a:r>
+                  <a:endParaRPr lang="en-US" dirty="0"/>
+                </a:p>
+              </p:txBody>
+            </p:sp>
+          </p:grpSp>
           <p:sp>
             <p:nvSpPr>
-              <p:cNvPr id="6" name="Line Callout 1 (No Border) 5"/>
+              <p:cNvPr id="10" name="Line Callout 1 (No Border) 9"/>
               <p:cNvSpPr/>
               <p:nvPr/>
             </p:nvSpPr>
             <p:spPr>
-              <a:xfrm flipH="1">
-                <a:off x="1401415" y="216320"/>
-                <a:ext cx="4909931" cy="699247"/>
+              <a:xfrm>
+                <a:off x="2518303" y="5138530"/>
+                <a:ext cx="2868705" cy="1550505"/>
               </a:xfrm>
               <a:prstGeom prst="callout1">
                 <a:avLst>
-                  <a:gd name="adj1" fmla="val 72763"/>
-                  <a:gd name="adj2" fmla="val 58892"/>
-                  <a:gd name="adj3" fmla="val 180728"/>
-                  <a:gd name="adj4" fmla="val 57758"/>
+                  <a:gd name="adj1" fmla="val -27966"/>
+                  <a:gd name="adj2" fmla="val 52989"/>
+                  <a:gd name="adj3" fmla="val 3731"/>
+                  <a:gd name="adj4" fmla="val 39968"/>
                 </a:avLst>
               </a:prstGeom>
+              <a:grpFill/>
               <a:ln w="19050"/>
             </p:spPr>
             <p:style>
@@ -3061,165 +3238,62 @@
               <a:bodyPr rtlCol="0" anchor="ctr"/>
               <a:lstStyle/>
               <a:p>
-                <a:pPr algn="ctr"/>
+                <a:pPr>
+                  <a:lnSpc>
+                    <a:spcPct val="150000"/>
+                  </a:lnSpc>
+                </a:pPr>
                 <a:r>
                   <a:rPr lang="en-US" dirty="0" smtClean="0"/>
-                  <a:t>Target application.exe + Active command suffix</a:t>
+                  <a:t>Input box accepts</a:t>
                 </a:r>
-                <a:endParaRPr lang="en-US" dirty="0"/>
               </a:p>
-            </p:txBody>
-          </p:sp>
-          <p:sp>
-            <p:nvSpPr>
-              <p:cNvPr id="7" name="Line Callout 1 (No Border) 6"/>
-              <p:cNvSpPr/>
-              <p:nvPr/>
-            </p:nvSpPr>
-            <p:spPr>
-              <a:xfrm>
-                <a:off x="5099165" y="743679"/>
-                <a:ext cx="3080740" cy="699247"/>
-              </a:xfrm>
-              <a:prstGeom prst="callout1">
-                <a:avLst>
-                  <a:gd name="adj1" fmla="val 52862"/>
-                  <a:gd name="adj2" fmla="val 15919"/>
-                  <a:gd name="adj3" fmla="val 113921"/>
-                  <a:gd name="adj4" fmla="val -17891"/>
-                </a:avLst>
-              </a:prstGeom>
-              <a:ln w="19050"/>
-            </p:spPr>
-            <p:style>
-              <a:lnRef idx="2">
-                <a:schemeClr val="dk1"/>
-              </a:lnRef>
-              <a:fillRef idx="1">
-                <a:schemeClr val="lt1"/>
-              </a:fillRef>
-              <a:effectRef idx="0">
-                <a:schemeClr val="dk1"/>
-              </a:effectRef>
-              <a:fontRef idx="minor">
-                <a:schemeClr val="dk1"/>
-              </a:fontRef>
-            </p:style>
-            <p:txBody>
-              <a:bodyPr rtlCol="0" anchor="ctr"/>
-              <a:lstStyle/>
               <a:p>
-                <a:pPr algn="ctr"/>
+                <a:pPr marL="342900" indent="-342900">
+                  <a:lnSpc>
+                    <a:spcPct val="150000"/>
+                  </a:lnSpc>
+                  <a:buAutoNum type="arabicParenR"/>
+                </a:pPr>
                 <a:r>
                   <a:rPr lang="en-US" dirty="0" smtClean="0"/>
-                  <a:t>Currently loaded </a:t>
+                  <a:t>Command keys</a:t>
                 </a:r>
-                <a:br>
-                  <a:rPr lang="en-US" dirty="0" smtClean="0"/>
-                </a:br>
+              </a:p>
+              <a:p>
+                <a:pPr marL="342900" indent="-342900">
+                  <a:buFontTx/>
+                  <a:buAutoNum type="arabicParenR"/>
+                </a:pPr>
+                <a:r>
+                  <a:rPr lang="en-US" dirty="0"/>
+                  <a:t>Uppercase </a:t>
+                </a:r>
                 <a:r>
                   <a:rPr lang="en-US" dirty="0" smtClean="0"/>
-                  <a:t>mem_cache .txt file</a:t>
+                  <a:t>1</a:t>
+                </a:r>
+                <a:r>
+                  <a:rPr lang="en-US" baseline="30000" dirty="0" smtClean="0"/>
+                  <a:t>st</a:t>
+                </a:r>
+                <a:r>
+                  <a:rPr lang="en-US" dirty="0" smtClean="0"/>
+                  <a:t> letter </a:t>
+                </a:r>
+                <a:r>
+                  <a:rPr lang="en-US" dirty="0"/>
+                  <a:t>initiated </a:t>
+                </a:r>
+                <a:r>
+                  <a:rPr lang="en-US" dirty="0" smtClean="0"/>
+                  <a:t>functions</a:t>
                 </a:r>
                 <a:endParaRPr lang="en-US" dirty="0"/>
               </a:p>
             </p:txBody>
           </p:sp>
         </p:grpSp>
-        <p:sp>
-          <p:nvSpPr>
-            <p:cNvPr id="10" name="Line Callout 1 (No Border) 9"/>
-            <p:cNvSpPr/>
-            <p:nvPr/>
-          </p:nvSpPr>
-          <p:spPr>
-            <a:xfrm>
-              <a:off x="2518303" y="5138530"/>
-              <a:ext cx="2868705" cy="1550505"/>
-            </a:xfrm>
-            <a:prstGeom prst="callout1">
-              <a:avLst>
-                <a:gd name="adj1" fmla="val -27966"/>
-                <a:gd name="adj2" fmla="val 52989"/>
-                <a:gd name="adj3" fmla="val 3731"/>
-                <a:gd name="adj4" fmla="val 39968"/>
-              </a:avLst>
-            </a:prstGeom>
-            <a:ln w="19050"/>
-          </p:spPr>
-          <p:style>
-            <a:lnRef idx="2">
-              <a:schemeClr val="dk1"/>
-            </a:lnRef>
-            <a:fillRef idx="1">
-              <a:schemeClr val="lt1"/>
-            </a:fillRef>
-            <a:effectRef idx="0">
-              <a:schemeClr val="dk1"/>
-            </a:effectRef>
-            <a:fontRef idx="minor">
-              <a:schemeClr val="dk1"/>
-            </a:fontRef>
-          </p:style>
-          <p:txBody>
-            <a:bodyPr rtlCol="0" anchor="ctr"/>
-            <a:lstStyle/>
-            <a:p>
-              <a:pPr>
-                <a:lnSpc>
-                  <a:spcPct val="150000"/>
-                </a:lnSpc>
-              </a:pPr>
-              <a:r>
-                <a:rPr lang="en-US" dirty="0" smtClean="0"/>
-                <a:t>Input box accepts</a:t>
-              </a:r>
-            </a:p>
-            <a:p>
-              <a:pPr marL="342900" indent="-342900">
-                <a:lnSpc>
-                  <a:spcPct val="150000"/>
-                </a:lnSpc>
-                <a:buAutoNum type="arabicParenR"/>
-              </a:pPr>
-              <a:r>
-                <a:rPr lang="en-US" dirty="0" smtClean="0"/>
-                <a:t>Command keys</a:t>
-              </a:r>
-            </a:p>
-            <a:p>
-              <a:pPr marL="342900" indent="-342900">
-                <a:buFontTx/>
-                <a:buAutoNum type="arabicParenR"/>
-              </a:pPr>
-              <a:r>
-                <a:rPr lang="en-US" dirty="0"/>
-                <a:t>Uppercase </a:t>
-              </a:r>
-              <a:r>
-                <a:rPr lang="en-US" dirty="0" smtClean="0"/>
-                <a:t>1</a:t>
-              </a:r>
-              <a:r>
-                <a:rPr lang="en-US" baseline="30000" dirty="0" smtClean="0"/>
-                <a:t>st</a:t>
-              </a:r>
-              <a:r>
-                <a:rPr lang="en-US" dirty="0" smtClean="0"/>
-                <a:t> letter </a:t>
-              </a:r>
-              <a:r>
-                <a:rPr lang="en-US" dirty="0"/>
-                <a:t>initiated </a:t>
-              </a:r>
-              <a:r>
-                <a:rPr lang="en-US" dirty="0" smtClean="0"/>
-                <a:t>functions</a:t>
-              </a:r>
-              <a:endParaRPr lang="en-US" dirty="0"/>
-            </a:p>
-          </p:txBody>
-        </p:sp>
       </p:grpSp>
     </p:spTree>
     <p:extLst>
